--- a/docs/EduGenius_presenting.pptx
+++ b/docs/EduGenius_presenting.pptx
@@ -5,7 +5,7 @@
     <p:sldMasterId id="2147483648" r:id="rId1"/>
   </p:sldMasterIdLst>
   <p:notesMasterIdLst>
-    <p:notesMasterId r:id="rId12"/>
+    <p:notesMasterId r:id="rId13"/>
   </p:notesMasterIdLst>
   <p:sldIdLst>
     <p:sldId id="256" r:id="rId2"/>
@@ -14,10 +14,11 @@
     <p:sldId id="259" r:id="rId5"/>
     <p:sldId id="260" r:id="rId6"/>
     <p:sldId id="261" r:id="rId7"/>
-    <p:sldId id="262" r:id="rId8"/>
-    <p:sldId id="263" r:id="rId9"/>
-    <p:sldId id="264" r:id="rId10"/>
-    <p:sldId id="265" r:id="rId11"/>
+    <p:sldId id="266" r:id="rId8"/>
+    <p:sldId id="262" r:id="rId9"/>
+    <p:sldId id="263" r:id="rId10"/>
+    <p:sldId id="264" r:id="rId11"/>
+    <p:sldId id="265" r:id="rId12"/>
   </p:sldIdLst>
   <p:sldSz cx="14630400" cy="8229600"/>
   <p:notesSz cx="8229600" cy="14630400"/>
@@ -815,7 +816,7 @@
           <a:p>
             <a:fld id="{F7021451-1387-4CA6-816F-3879F97B5CBC}" type="slidenum">
               <a:rPr lang="en-US"/>
-              <a:t>7</a:t>
+              <a:t>8</a:t>
             </a:fld>
             <a:endParaRPr lang="en-US"/>
           </a:p>
@@ -899,7 +900,7 @@
           <a:p>
             <a:fld id="{F7021451-1387-4CA6-816F-3879F97B5CBC}" type="slidenum">
               <a:rPr lang="en-US"/>
-              <a:t>8</a:t>
+              <a:t>9</a:t>
             </a:fld>
             <a:endParaRPr lang="en-US"/>
           </a:p>
@@ -983,7 +984,7 @@
           <a:p>
             <a:fld id="{F7021451-1387-4CA6-816F-3879F97B5CBC}" type="slidenum">
               <a:rPr lang="en-US"/>
-              <a:t>9</a:t>
+              <a:t>10</a:t>
             </a:fld>
             <a:endParaRPr lang="en-US"/>
           </a:p>
@@ -1551,6 +1552,118 @@
 <file path=ppt/slides/slide10.xml><?xml version="1.0" encoding="utf-8"?>
 <p:sld xmlns:a="http://schemas.openxmlformats.org/drawingml/2006/main" xmlns:r="http://schemas.openxmlformats.org/officeDocument/2006/relationships" xmlns:p="http://schemas.openxmlformats.org/presentationml/2006/main">
   <p:cSld>
+    <p:spTree>
+      <p:nvGrpSpPr>
+        <p:cNvPr id="1" name=""/>
+        <p:cNvGrpSpPr/>
+        <p:nvPr/>
+      </p:nvGrpSpPr>
+      <p:grpSpPr>
+        <a:xfrm>
+          <a:off x="0" y="0"/>
+          <a:ext cx="0" cy="0"/>
+          <a:chOff x="0" y="0"/>
+          <a:chExt cx="0" cy="0"/>
+        </a:xfrm>
+      </p:grpSpPr>
+      <p:sp>
+        <p:nvSpPr>
+          <p:cNvPr id="16" name="Text 2">
+            <a:extLst>
+              <a:ext uri="{FF2B5EF4-FFF2-40B4-BE49-F238E27FC236}">
+                <a16:creationId xmlns:a16="http://schemas.microsoft.com/office/drawing/2014/main" id="{CC9057C9-2D78-6E95-DAE4-946D4EC44C3C}"/>
+              </a:ext>
+            </a:extLst>
+          </p:cNvPr>
+          <p:cNvSpPr/>
+          <p:nvPr/>
+        </p:nvSpPr>
+        <p:spPr>
+          <a:xfrm>
+            <a:off x="278641" y="280777"/>
+            <a:ext cx="10037683" cy="694373"/>
+          </a:xfrm>
+          <a:prstGeom prst="rect">
+            <a:avLst/>
+          </a:prstGeom>
+          <a:noFill/>
+          <a:ln/>
+        </p:spPr>
+        <p:txBody>
+          <a:bodyPr wrap="none" rtlCol="0" anchor="t"/>
+          <a:lstStyle/>
+          <a:p>
+            <a:pPr marL="0" indent="0">
+              <a:lnSpc>
+                <a:spcPts val="5468"/>
+              </a:lnSpc>
+              <a:buNone/>
+            </a:pPr>
+            <a:r>
+              <a:rPr lang="pt-BR" sz="4374" b="1" kern="0" spc="-131">
+                <a:solidFill>
+                  <a:srgbClr val="001E4D"/>
+                </a:solidFill>
+                <a:latin typeface="Inter" pitchFamily="34" charset="0"/>
+                <a:ea typeface="Inter" pitchFamily="34" charset="-122"/>
+                <a:cs typeface="Inter" pitchFamily="34" charset="-120"/>
+              </a:rPr>
+              <a:t>Base de dados otimizada e valiosa para análise.</a:t>
+            </a:r>
+            <a:endParaRPr lang="en-US" sz="4374" dirty="0">
+              <a:solidFill>
+                <a:srgbClr val="001E4D"/>
+              </a:solidFill>
+            </a:endParaRPr>
+          </a:p>
+        </p:txBody>
+      </p:sp>
+      <p:pic>
+        <p:nvPicPr>
+          <p:cNvPr id="18" name="Imagem 17">
+            <a:extLst>
+              <a:ext uri="{FF2B5EF4-FFF2-40B4-BE49-F238E27FC236}">
+                <a16:creationId xmlns:a16="http://schemas.microsoft.com/office/drawing/2014/main" id="{29E4E8B0-7147-23F0-3768-B158828A4E3E}"/>
+              </a:ext>
+            </a:extLst>
+          </p:cNvPr>
+          <p:cNvPicPr>
+            <a:picLocks noChangeAspect="1"/>
+          </p:cNvPicPr>
+          <p:nvPr/>
+        </p:nvPicPr>
+        <p:blipFill>
+          <a:blip r:embed="rId3"/>
+          <a:stretch>
+            <a:fillRect/>
+          </a:stretch>
+        </p:blipFill>
+        <p:spPr>
+          <a:xfrm>
+            <a:off x="1412111" y="1304422"/>
+            <a:ext cx="11620982" cy="6523581"/>
+          </a:xfrm>
+          <a:prstGeom prst="rect">
+            <a:avLst/>
+          </a:prstGeom>
+        </p:spPr>
+      </p:pic>
+    </p:spTree>
+    <p:extLst>
+      <p:ext uri="{BB962C8B-B14F-4D97-AF65-F5344CB8AC3E}">
+        <p14:creationId xmlns:p14="http://schemas.microsoft.com/office/powerpoint/2010/main" val="3869792201"/>
+      </p:ext>
+    </p:extLst>
+  </p:cSld>
+  <p:clrMapOvr>
+    <a:masterClrMapping/>
+  </p:clrMapOvr>
+</p:sld>
+</file>
+
+<file path=ppt/slides/slide11.xml><?xml version="1.0" encoding="utf-8"?>
+<p:sld xmlns:a="http://schemas.openxmlformats.org/drawingml/2006/main" xmlns:r="http://schemas.openxmlformats.org/officeDocument/2006/relationships" xmlns:p="http://schemas.openxmlformats.org/presentationml/2006/main">
+  <p:cSld>
     <p:bg>
       <p:bgPr>
         <a:solidFill>
@@ -4041,7 +4154,7 @@
         </p:nvSpPr>
         <p:spPr>
           <a:xfrm>
-            <a:off x="2037992" y="1784985"/>
+            <a:off x="444134" y="547199"/>
             <a:ext cx="11157147" cy="694373"/>
           </a:xfrm>
           <a:prstGeom prst="rect">
@@ -4069,7 +4182,7 @@
                 <a:ea typeface="Inter" pitchFamily="34" charset="-122"/>
                 <a:cs typeface="Inter" pitchFamily="34" charset="-120"/>
               </a:rPr>
-              <a:t>Antecipação de Resultados da Utilização da Plataforma</a:t>
+              <a:t>Utilização da Plataforma</a:t>
             </a:r>
             <a:endParaRPr lang="en-US" sz="4000" dirty="0">
               <a:solidFill>
@@ -4079,360 +4192,36 @@
           </a:p>
         </p:txBody>
       </p:sp>
-      <p:sp>
-        <p:nvSpPr>
-          <p:cNvPr id="5" name="Shape 3"/>
-          <p:cNvSpPr/>
-          <p:nvPr/>
-        </p:nvSpPr>
-        <p:spPr>
-          <a:xfrm>
-            <a:off x="2037993" y="2923699"/>
-            <a:ext cx="3370064" cy="3520916"/>
-          </a:xfrm>
-          <a:prstGeom prst="roundRect">
-            <a:avLst>
-              <a:gd name="adj" fmla="val 2967"/>
-            </a:avLst>
-          </a:prstGeom>
-          <a:solidFill>
-            <a:srgbClr val="DADBF1"/>
-          </a:solidFill>
-          <a:ln w="13811">
-            <a:solidFill>
-              <a:srgbClr val="B5B7E3"/>
-            </a:solidFill>
-            <a:prstDash val="solid"/>
-          </a:ln>
-        </p:spPr>
-        <p:txBody>
-          <a:bodyPr/>
-          <a:lstStyle/>
-          <a:p>
-            <a:endParaRPr lang="en-US"/>
-          </a:p>
-        </p:txBody>
-      </p:sp>
-      <p:sp>
-        <p:nvSpPr>
-          <p:cNvPr id="6" name="Text 4"/>
-          <p:cNvSpPr/>
-          <p:nvPr/>
-        </p:nvSpPr>
-        <p:spPr>
-          <a:xfrm>
-            <a:off x="2273975" y="3159681"/>
-            <a:ext cx="2403515" cy="347186"/>
-          </a:xfrm>
-          <a:prstGeom prst="rect">
-            <a:avLst/>
-          </a:prstGeom>
-          <a:noFill/>
-          <a:ln/>
-        </p:spPr>
-        <p:txBody>
-          <a:bodyPr wrap="none" rtlCol="0" anchor="t"/>
-          <a:lstStyle/>
-          <a:p>
-            <a:pPr marL="0" indent="0">
-              <a:lnSpc>
-                <a:spcPts val="2734"/>
-              </a:lnSpc>
-              <a:buNone/>
-            </a:pPr>
-            <a:r>
-              <a:rPr lang="en-US" sz="2187" b="1" kern="0" spc="-66" dirty="0">
-                <a:solidFill>
-                  <a:srgbClr val="272525"/>
-                </a:solidFill>
-                <a:latin typeface="Inter" pitchFamily="34" charset="0"/>
-                <a:ea typeface="Inter" pitchFamily="34" charset="-122"/>
-                <a:cs typeface="Inter" pitchFamily="34" charset="-120"/>
-              </a:rPr>
-              <a:t>Taxa de Aprovação</a:t>
-            </a:r>
-            <a:endParaRPr lang="en-US" sz="2187" dirty="0"/>
-          </a:p>
-        </p:txBody>
-      </p:sp>
-      <p:sp>
-        <p:nvSpPr>
-          <p:cNvPr id="7" name="Text 5"/>
-          <p:cNvSpPr/>
-          <p:nvPr/>
-        </p:nvSpPr>
-        <p:spPr>
-          <a:xfrm>
-            <a:off x="2273975" y="3729038"/>
-            <a:ext cx="2898100" cy="1768792"/>
-          </a:xfrm>
-          <a:prstGeom prst="rect">
-            <a:avLst/>
-          </a:prstGeom>
-          <a:noFill/>
-          <a:ln/>
-        </p:spPr>
-        <p:txBody>
-          <a:bodyPr wrap="square" rtlCol="0" anchor="t"/>
-          <a:lstStyle/>
-          <a:p>
-            <a:pPr marL="0" indent="0">
-              <a:lnSpc>
-                <a:spcPts val="2799"/>
-              </a:lnSpc>
-              <a:buNone/>
-            </a:pPr>
-            <a:r>
-              <a:rPr lang="pt-BR" sz="1750" kern="0" spc="-35" dirty="0">
-                <a:solidFill>
-                  <a:srgbClr val="272525"/>
-                </a:solidFill>
-                <a:latin typeface="Inter" pitchFamily="34" charset="0"/>
-                <a:ea typeface="Inter" pitchFamily="34" charset="-122"/>
-                <a:cs typeface="Inter" pitchFamily="34" charset="-120"/>
-              </a:rPr>
-              <a:t>Implementação de melhorias visando o aumento da taxa de aprovação nas escolas onde a plataforma foi adotada.</a:t>
-            </a:r>
-            <a:endParaRPr lang="en-US" sz="1750" dirty="0"/>
-          </a:p>
-        </p:txBody>
-      </p:sp>
-      <p:sp>
-        <p:nvSpPr>
-          <p:cNvPr id="8" name="Shape 6"/>
-          <p:cNvSpPr/>
-          <p:nvPr/>
-        </p:nvSpPr>
-        <p:spPr>
-          <a:xfrm>
-            <a:off x="5630228" y="2923699"/>
-            <a:ext cx="3370064" cy="3520916"/>
-          </a:xfrm>
-          <a:prstGeom prst="roundRect">
-            <a:avLst>
-              <a:gd name="adj" fmla="val 2967"/>
-            </a:avLst>
-          </a:prstGeom>
-          <a:solidFill>
-            <a:srgbClr val="DADBF1"/>
-          </a:solidFill>
-          <a:ln w="13811">
-            <a:solidFill>
-              <a:srgbClr val="B5B7E3"/>
-            </a:solidFill>
-            <a:prstDash val="solid"/>
-          </a:ln>
-        </p:spPr>
-        <p:txBody>
-          <a:bodyPr/>
-          <a:lstStyle/>
-          <a:p>
-            <a:endParaRPr lang="en-US"/>
-          </a:p>
-        </p:txBody>
-      </p:sp>
-      <p:sp>
-        <p:nvSpPr>
-          <p:cNvPr id="9" name="Text 7"/>
-          <p:cNvSpPr/>
-          <p:nvPr/>
-        </p:nvSpPr>
-        <p:spPr>
-          <a:xfrm>
-            <a:off x="5866209" y="3159681"/>
-            <a:ext cx="2898100" cy="694373"/>
-          </a:xfrm>
-          <a:prstGeom prst="rect">
-            <a:avLst/>
-          </a:prstGeom>
-          <a:noFill/>
-          <a:ln/>
-        </p:spPr>
-        <p:txBody>
-          <a:bodyPr wrap="square" rtlCol="0" anchor="t"/>
-          <a:lstStyle/>
-          <a:p>
-            <a:pPr marL="0" indent="0">
-              <a:lnSpc>
-                <a:spcPts val="2734"/>
-              </a:lnSpc>
-              <a:buNone/>
-            </a:pPr>
-            <a:r>
-              <a:rPr lang="en-US" sz="2187" b="1" kern="0" spc="-66" dirty="0">
-                <a:solidFill>
-                  <a:srgbClr val="272525"/>
-                </a:solidFill>
-                <a:latin typeface="Inter" pitchFamily="34" charset="0"/>
-                <a:ea typeface="Inter" pitchFamily="34" charset="-122"/>
-                <a:cs typeface="Inter" pitchFamily="34" charset="-120"/>
-              </a:rPr>
-              <a:t>Redução do Abandono Escolar</a:t>
-            </a:r>
-            <a:endParaRPr lang="en-US" sz="2187" dirty="0"/>
-          </a:p>
-        </p:txBody>
-      </p:sp>
-      <p:sp>
-        <p:nvSpPr>
-          <p:cNvPr id="10" name="Text 8"/>
-          <p:cNvSpPr/>
-          <p:nvPr/>
-        </p:nvSpPr>
-        <p:spPr>
-          <a:xfrm>
-            <a:off x="5866209" y="4076224"/>
-            <a:ext cx="2898100" cy="1421606"/>
-          </a:xfrm>
-          <a:prstGeom prst="rect">
-            <a:avLst/>
-          </a:prstGeom>
-          <a:noFill/>
-          <a:ln/>
-        </p:spPr>
-        <p:txBody>
-          <a:bodyPr wrap="square" rtlCol="0" anchor="t"/>
-          <a:lstStyle/>
-          <a:p>
-            <a:pPr marL="0" indent="0">
-              <a:lnSpc>
-                <a:spcPts val="2799"/>
-              </a:lnSpc>
-              <a:buNone/>
-            </a:pPr>
-            <a:r>
-              <a:rPr lang="pt-BR" sz="1750" kern="0" spc="-35" dirty="0">
-                <a:solidFill>
-                  <a:srgbClr val="272525"/>
-                </a:solidFill>
-                <a:latin typeface="Inter" pitchFamily="34" charset="0"/>
-                <a:ea typeface="Inter" pitchFamily="34" charset="-122"/>
-                <a:cs typeface="Inter" pitchFamily="34" charset="-120"/>
-              </a:rPr>
-              <a:t>Minimização da evasão escolar, que é frequentemente causada pela carência de apoio ou suporte aos alunos.</a:t>
-            </a:r>
-            <a:endParaRPr lang="en-US" sz="1750" dirty="0"/>
-          </a:p>
-        </p:txBody>
-      </p:sp>
-      <p:sp>
-        <p:nvSpPr>
-          <p:cNvPr id="11" name="Shape 9"/>
-          <p:cNvSpPr/>
-          <p:nvPr/>
-        </p:nvSpPr>
-        <p:spPr>
-          <a:xfrm>
-            <a:off x="9222462" y="2923699"/>
-            <a:ext cx="3370064" cy="3520916"/>
-          </a:xfrm>
-          <a:prstGeom prst="roundRect">
-            <a:avLst>
-              <a:gd name="adj" fmla="val 2967"/>
-            </a:avLst>
-          </a:prstGeom>
-          <a:solidFill>
-            <a:srgbClr val="DADBF1"/>
-          </a:solidFill>
-          <a:ln w="13811">
-            <a:solidFill>
-              <a:srgbClr val="B5B7E3"/>
-            </a:solidFill>
-            <a:prstDash val="solid"/>
-          </a:ln>
-        </p:spPr>
-        <p:txBody>
-          <a:bodyPr/>
-          <a:lstStyle/>
-          <a:p>
-            <a:endParaRPr lang="en-US"/>
-          </a:p>
-        </p:txBody>
-      </p:sp>
-      <p:sp>
-        <p:nvSpPr>
-          <p:cNvPr id="12" name="Text 10"/>
-          <p:cNvSpPr/>
-          <p:nvPr/>
-        </p:nvSpPr>
-        <p:spPr>
-          <a:xfrm>
-            <a:off x="9458444" y="3159681"/>
-            <a:ext cx="2898100" cy="694373"/>
-          </a:xfrm>
-          <a:prstGeom prst="rect">
-            <a:avLst/>
-          </a:prstGeom>
-          <a:noFill/>
-          <a:ln/>
-        </p:spPr>
-        <p:txBody>
-          <a:bodyPr wrap="square" rtlCol="0" anchor="t"/>
-          <a:lstStyle/>
-          <a:p>
-            <a:pPr marL="0" indent="0">
-              <a:lnSpc>
-                <a:spcPts val="2734"/>
-              </a:lnSpc>
-              <a:buNone/>
-            </a:pPr>
-            <a:r>
-              <a:rPr lang="en-US" sz="2187" b="1" kern="0" spc="-66" dirty="0">
-                <a:solidFill>
-                  <a:srgbClr val="272525"/>
-                </a:solidFill>
-                <a:latin typeface="Inter" pitchFamily="34" charset="0"/>
-                <a:ea typeface="Inter" pitchFamily="34" charset="-122"/>
-                <a:cs typeface="Inter" pitchFamily="34" charset="-120"/>
-              </a:rPr>
-              <a:t>Percepção Positiva dos Alunos</a:t>
-            </a:r>
-            <a:endParaRPr lang="en-US" sz="2187" dirty="0"/>
-          </a:p>
-        </p:txBody>
-      </p:sp>
-      <p:sp>
-        <p:nvSpPr>
-          <p:cNvPr id="13" name="Text 11"/>
-          <p:cNvSpPr/>
-          <p:nvPr/>
-        </p:nvSpPr>
-        <p:spPr>
-          <a:xfrm>
-            <a:off x="9458444" y="4076224"/>
-            <a:ext cx="2898100" cy="2132409"/>
-          </a:xfrm>
-          <a:prstGeom prst="rect">
-            <a:avLst/>
-          </a:prstGeom>
-          <a:noFill/>
-          <a:ln/>
-        </p:spPr>
-        <p:txBody>
-          <a:bodyPr wrap="square" rtlCol="0" anchor="t"/>
-          <a:lstStyle/>
-          <a:p>
-            <a:pPr marL="0" indent="0">
-              <a:lnSpc>
-                <a:spcPts val="2799"/>
-              </a:lnSpc>
-              <a:buNone/>
-            </a:pPr>
-            <a:r>
-              <a:rPr lang="en-US" sz="1750" kern="0" spc="-35" dirty="0">
-                <a:solidFill>
-                  <a:srgbClr val="272525"/>
-                </a:solidFill>
-                <a:latin typeface="Inter" pitchFamily="34" charset="0"/>
-                <a:ea typeface="Inter" pitchFamily="34" charset="-122"/>
-                <a:cs typeface="Inter" pitchFamily="34" charset="-120"/>
-              </a:rPr>
-              <a:t>Mais de 95% dos alunos relataram que a plataforma os ajudou a compreender melhor o conteúdo e se sentir mais engajados nas aulas.</a:t>
-            </a:r>
-            <a:endParaRPr lang="en-US" sz="1750" dirty="0"/>
-          </a:p>
-        </p:txBody>
-      </p:sp>
+      <p:pic>
+        <p:nvPicPr>
+          <p:cNvPr id="3" name="Imagem 2" descr="Interface gráfica do usuário, Texto, Aplicativo&#10;&#10;Descrição gerada automaticamente">
+            <a:extLst>
+              <a:ext uri="{FF2B5EF4-FFF2-40B4-BE49-F238E27FC236}">
+                <a16:creationId xmlns:a16="http://schemas.microsoft.com/office/drawing/2014/main" id="{0CCCE88A-5D06-450D-7DA5-0737374B5AC5}"/>
+              </a:ext>
+            </a:extLst>
+          </p:cNvPr>
+          <p:cNvPicPr>
+            <a:picLocks noChangeAspect="1"/>
+          </p:cNvPicPr>
+          <p:nvPr/>
+        </p:nvPicPr>
+        <p:blipFill>
+          <a:blip r:embed="rId3"/>
+          <a:stretch>
+            <a:fillRect/>
+          </a:stretch>
+        </p:blipFill>
+        <p:spPr>
+          <a:xfrm>
+            <a:off x="444134" y="1586235"/>
+            <a:ext cx="13742132" cy="3598721"/>
+          </a:xfrm>
+          <a:prstGeom prst="rect">
+            <a:avLst/>
+          </a:prstGeom>
+        </p:spPr>
+      </p:pic>
     </p:spTree>
   </p:cSld>
   <p:clrMapOvr>
@@ -4442,6 +4231,118 @@
 </file>
 
 <file path=ppt/slides/slide7.xml><?xml version="1.0" encoding="utf-8"?>
+<p:sld xmlns:a="http://schemas.openxmlformats.org/drawingml/2006/main" xmlns:r="http://schemas.openxmlformats.org/officeDocument/2006/relationships" xmlns:p="http://schemas.openxmlformats.org/presentationml/2006/main">
+  <p:cSld>
+    <p:spTree>
+      <p:nvGrpSpPr>
+        <p:cNvPr id="1" name=""/>
+        <p:cNvGrpSpPr/>
+        <p:nvPr/>
+      </p:nvGrpSpPr>
+      <p:grpSpPr>
+        <a:xfrm>
+          <a:off x="0" y="0"/>
+          <a:ext cx="0" cy="0"/>
+          <a:chOff x="0" y="0"/>
+          <a:chExt cx="0" cy="0"/>
+        </a:xfrm>
+      </p:grpSpPr>
+      <p:pic>
+        <p:nvPicPr>
+          <p:cNvPr id="2" name="Imagem 1" descr="Interface gráfica do usuário, Texto, Aplicativo, Email&#10;&#10;Descrição gerada automaticamente">
+            <a:extLst>
+              <a:ext uri="{FF2B5EF4-FFF2-40B4-BE49-F238E27FC236}">
+                <a16:creationId xmlns:a16="http://schemas.microsoft.com/office/drawing/2014/main" id="{70DA8744-6316-053D-4F59-6CA525D3C0A2}"/>
+              </a:ext>
+            </a:extLst>
+          </p:cNvPr>
+          <p:cNvPicPr>
+            <a:picLocks noChangeAspect="1"/>
+          </p:cNvPicPr>
+          <p:nvPr/>
+        </p:nvPicPr>
+        <p:blipFill>
+          <a:blip r:embed="rId2"/>
+          <a:stretch>
+            <a:fillRect/>
+          </a:stretch>
+        </p:blipFill>
+        <p:spPr>
+          <a:xfrm>
+            <a:off x="483595" y="2053001"/>
+            <a:ext cx="13663209" cy="4671110"/>
+          </a:xfrm>
+          <a:prstGeom prst="rect">
+            <a:avLst/>
+          </a:prstGeom>
+        </p:spPr>
+      </p:pic>
+      <p:sp>
+        <p:nvSpPr>
+          <p:cNvPr id="3" name="Text 2">
+            <a:extLst>
+              <a:ext uri="{FF2B5EF4-FFF2-40B4-BE49-F238E27FC236}">
+                <a16:creationId xmlns:a16="http://schemas.microsoft.com/office/drawing/2014/main" id="{11D2D315-A233-CA4B-8A50-682806D02D49}"/>
+              </a:ext>
+            </a:extLst>
+          </p:cNvPr>
+          <p:cNvSpPr/>
+          <p:nvPr/>
+        </p:nvSpPr>
+        <p:spPr>
+          <a:xfrm>
+            <a:off x="444134" y="547199"/>
+            <a:ext cx="11157147" cy="694373"/>
+          </a:xfrm>
+          <a:prstGeom prst="rect">
+            <a:avLst/>
+          </a:prstGeom>
+          <a:noFill/>
+          <a:ln/>
+        </p:spPr>
+        <p:txBody>
+          <a:bodyPr wrap="none" rtlCol="0" anchor="t"/>
+          <a:lstStyle/>
+          <a:p>
+            <a:pPr marL="0" indent="0">
+              <a:lnSpc>
+                <a:spcPts val="5468"/>
+              </a:lnSpc>
+              <a:buNone/>
+            </a:pPr>
+            <a:r>
+              <a:rPr lang="pt-BR" sz="4000" b="1" kern="0" spc="-131" dirty="0">
+                <a:solidFill>
+                  <a:srgbClr val="001E4D"/>
+                </a:solidFill>
+                <a:latin typeface="Inter" pitchFamily="34" charset="0"/>
+                <a:ea typeface="Inter" pitchFamily="34" charset="-122"/>
+                <a:cs typeface="Inter" pitchFamily="34" charset="-120"/>
+              </a:rPr>
+              <a:t>Utilização da Plataforma</a:t>
+            </a:r>
+            <a:endParaRPr lang="en-US" sz="4000" dirty="0">
+              <a:solidFill>
+                <a:srgbClr val="001E4D"/>
+              </a:solidFill>
+            </a:endParaRPr>
+          </a:p>
+        </p:txBody>
+      </p:sp>
+    </p:spTree>
+    <p:extLst>
+      <p:ext uri="{BB962C8B-B14F-4D97-AF65-F5344CB8AC3E}">
+        <p14:creationId xmlns:p14="http://schemas.microsoft.com/office/powerpoint/2010/main" val="4048726507"/>
+      </p:ext>
+    </p:extLst>
+  </p:cSld>
+  <p:clrMapOvr>
+    <a:masterClrMapping/>
+  </p:clrMapOvr>
+</p:sld>
+</file>
+
+<file path=ppt/slides/slide8.xml><?xml version="1.0" encoding="utf-8"?>
 <p:sld xmlns:a="http://schemas.openxmlformats.org/drawingml/2006/main" xmlns:r="http://schemas.openxmlformats.org/officeDocument/2006/relationships" xmlns:p="http://schemas.openxmlformats.org/presentationml/2006/main">
   <p:cSld name="Slide 7">
     <p:spTree>
@@ -4764,7 +4665,7 @@
 </p:sld>
 </file>
 
-<file path=ppt/slides/slide8.xml><?xml version="1.0" encoding="utf-8"?>
+<file path=ppt/slides/slide9.xml><?xml version="1.0" encoding="utf-8"?>
 <p:sld xmlns:a="http://schemas.openxmlformats.org/drawingml/2006/main" xmlns:r="http://schemas.openxmlformats.org/officeDocument/2006/relationships" xmlns:p="http://schemas.openxmlformats.org/presentationml/2006/main">
   <p:cSld name="Slide 8">
     <p:spTree>
@@ -5152,118 +5053,6 @@
         </p:txBody>
       </p:sp>
     </p:spTree>
-  </p:cSld>
-  <p:clrMapOvr>
-    <a:masterClrMapping/>
-  </p:clrMapOvr>
-</p:sld>
-</file>
-
-<file path=ppt/slides/slide9.xml><?xml version="1.0" encoding="utf-8"?>
-<p:sld xmlns:a="http://schemas.openxmlformats.org/drawingml/2006/main" xmlns:r="http://schemas.openxmlformats.org/officeDocument/2006/relationships" xmlns:p="http://schemas.openxmlformats.org/presentationml/2006/main">
-  <p:cSld>
-    <p:spTree>
-      <p:nvGrpSpPr>
-        <p:cNvPr id="1" name=""/>
-        <p:cNvGrpSpPr/>
-        <p:nvPr/>
-      </p:nvGrpSpPr>
-      <p:grpSpPr>
-        <a:xfrm>
-          <a:off x="0" y="0"/>
-          <a:ext cx="0" cy="0"/>
-          <a:chOff x="0" y="0"/>
-          <a:chExt cx="0" cy="0"/>
-        </a:xfrm>
-      </p:grpSpPr>
-      <p:sp>
-        <p:nvSpPr>
-          <p:cNvPr id="16" name="Text 2">
-            <a:extLst>
-              <a:ext uri="{FF2B5EF4-FFF2-40B4-BE49-F238E27FC236}">
-                <a16:creationId xmlns:a16="http://schemas.microsoft.com/office/drawing/2014/main" id="{CC9057C9-2D78-6E95-DAE4-946D4EC44C3C}"/>
-              </a:ext>
-            </a:extLst>
-          </p:cNvPr>
-          <p:cNvSpPr/>
-          <p:nvPr/>
-        </p:nvSpPr>
-        <p:spPr>
-          <a:xfrm>
-            <a:off x="278641" y="280777"/>
-            <a:ext cx="10037683" cy="694373"/>
-          </a:xfrm>
-          <a:prstGeom prst="rect">
-            <a:avLst/>
-          </a:prstGeom>
-          <a:noFill/>
-          <a:ln/>
-        </p:spPr>
-        <p:txBody>
-          <a:bodyPr wrap="none" rtlCol="0" anchor="t"/>
-          <a:lstStyle/>
-          <a:p>
-            <a:pPr marL="0" indent="0">
-              <a:lnSpc>
-                <a:spcPts val="5468"/>
-              </a:lnSpc>
-              <a:buNone/>
-            </a:pPr>
-            <a:r>
-              <a:rPr lang="pt-BR" sz="4374" b="1" kern="0" spc="-131">
-                <a:solidFill>
-                  <a:srgbClr val="001E4D"/>
-                </a:solidFill>
-                <a:latin typeface="Inter" pitchFamily="34" charset="0"/>
-                <a:ea typeface="Inter" pitchFamily="34" charset="-122"/>
-                <a:cs typeface="Inter" pitchFamily="34" charset="-120"/>
-              </a:rPr>
-              <a:t>Base de dados otimizada e valiosa para análise.</a:t>
-            </a:r>
-            <a:endParaRPr lang="en-US" sz="4374" dirty="0">
-              <a:solidFill>
-                <a:srgbClr val="001E4D"/>
-              </a:solidFill>
-            </a:endParaRPr>
-          </a:p>
-        </p:txBody>
-      </p:sp>
-      <p:pic>
-        <p:nvPicPr>
-          <p:cNvPr id="18" name="Imagem 17">
-            <a:extLst>
-              <a:ext uri="{FF2B5EF4-FFF2-40B4-BE49-F238E27FC236}">
-                <a16:creationId xmlns:a16="http://schemas.microsoft.com/office/drawing/2014/main" id="{29E4E8B0-7147-23F0-3768-B158828A4E3E}"/>
-              </a:ext>
-            </a:extLst>
-          </p:cNvPr>
-          <p:cNvPicPr>
-            <a:picLocks noChangeAspect="1"/>
-          </p:cNvPicPr>
-          <p:nvPr/>
-        </p:nvPicPr>
-        <p:blipFill>
-          <a:blip r:embed="rId3"/>
-          <a:stretch>
-            <a:fillRect/>
-          </a:stretch>
-        </p:blipFill>
-        <p:spPr>
-          <a:xfrm>
-            <a:off x="1412111" y="1304422"/>
-            <a:ext cx="11620982" cy="6523581"/>
-          </a:xfrm>
-          <a:prstGeom prst="rect">
-            <a:avLst/>
-          </a:prstGeom>
-        </p:spPr>
-      </p:pic>
-    </p:spTree>
-    <p:extLst>
-      <p:ext uri="{BB962C8B-B14F-4D97-AF65-F5344CB8AC3E}">
-        <p14:creationId xmlns:p14="http://schemas.microsoft.com/office/powerpoint/2010/main" val="3869792201"/>
-      </p:ext>
-    </p:extLst>
   </p:cSld>
   <p:clrMapOvr>
     <a:masterClrMapping/>
